--- a/Buchungsprozess.pptx
+++ b/Buchungsprozess.pptx
@@ -5,7 +5,9 @@
     <p:sldMasterId id="2147483648" r:id="rId1"/>
   </p:sldMasterIdLst>
   <p:sldIdLst>
-    <p:sldId id="256" r:id="rId2"/>
+    <p:sldId id="258" r:id="rId2"/>
+    <p:sldId id="256" r:id="rId3"/>
+    <p:sldId id="257" r:id="rId4"/>
   </p:sldIdLst>
   <p:sldSz cx="12192000" cy="6858000"/>
   <p:notesSz cx="6858000" cy="9144000"/>
@@ -104,6 +106,11 @@
       </a:defRPr>
     </a:lvl9pPr>
   </p:defaultTextStyle>
+  <p:extLst>
+    <p:ext uri="{EFAFB233-063F-42B5-8137-9DF3F51BA10A}">
+      <p15:sldGuideLst xmlns:p15="http://schemas.microsoft.com/office/powerpoint/2012/main"/>
+    </p:ext>
+  </p:extLst>
 </p:presentation>
 </file>
 
@@ -254,7 +261,7 @@
           <a:p>
             <a:fld id="{0E7AAB0F-BE38-4073-B381-E2A8B75DEDE1}" type="datetimeFigureOut">
               <a:rPr lang="de-DE" smtClean="0"/>
-              <a:t>28.05.2025</a:t>
+              <a:t>30.05.2025</a:t>
             </a:fld>
             <a:endParaRPr lang="de-DE"/>
           </a:p>
@@ -452,7 +459,7 @@
           <a:p>
             <a:fld id="{0E7AAB0F-BE38-4073-B381-E2A8B75DEDE1}" type="datetimeFigureOut">
               <a:rPr lang="de-DE" smtClean="0"/>
-              <a:t>28.05.2025</a:t>
+              <a:t>30.05.2025</a:t>
             </a:fld>
             <a:endParaRPr lang="de-DE"/>
           </a:p>
@@ -660,7 +667,7 @@
           <a:p>
             <a:fld id="{0E7AAB0F-BE38-4073-B381-E2A8B75DEDE1}" type="datetimeFigureOut">
               <a:rPr lang="de-DE" smtClean="0"/>
-              <a:t>28.05.2025</a:t>
+              <a:t>30.05.2025</a:t>
             </a:fld>
             <a:endParaRPr lang="de-DE"/>
           </a:p>
@@ -858,7 +865,7 @@
           <a:p>
             <a:fld id="{0E7AAB0F-BE38-4073-B381-E2A8B75DEDE1}" type="datetimeFigureOut">
               <a:rPr lang="de-DE" smtClean="0"/>
-              <a:t>28.05.2025</a:t>
+              <a:t>30.05.2025</a:t>
             </a:fld>
             <a:endParaRPr lang="de-DE"/>
           </a:p>
@@ -1133,7 +1140,7 @@
           <a:p>
             <a:fld id="{0E7AAB0F-BE38-4073-B381-E2A8B75DEDE1}" type="datetimeFigureOut">
               <a:rPr lang="de-DE" smtClean="0"/>
-              <a:t>28.05.2025</a:t>
+              <a:t>30.05.2025</a:t>
             </a:fld>
             <a:endParaRPr lang="de-DE"/>
           </a:p>
@@ -1398,7 +1405,7 @@
           <a:p>
             <a:fld id="{0E7AAB0F-BE38-4073-B381-E2A8B75DEDE1}" type="datetimeFigureOut">
               <a:rPr lang="de-DE" smtClean="0"/>
-              <a:t>28.05.2025</a:t>
+              <a:t>30.05.2025</a:t>
             </a:fld>
             <a:endParaRPr lang="de-DE"/>
           </a:p>
@@ -1810,7 +1817,7 @@
           <a:p>
             <a:fld id="{0E7AAB0F-BE38-4073-B381-E2A8B75DEDE1}" type="datetimeFigureOut">
               <a:rPr lang="de-DE" smtClean="0"/>
-              <a:t>28.05.2025</a:t>
+              <a:t>30.05.2025</a:t>
             </a:fld>
             <a:endParaRPr lang="de-DE"/>
           </a:p>
@@ -1951,7 +1958,7 @@
           <a:p>
             <a:fld id="{0E7AAB0F-BE38-4073-B381-E2A8B75DEDE1}" type="datetimeFigureOut">
               <a:rPr lang="de-DE" smtClean="0"/>
-              <a:t>28.05.2025</a:t>
+              <a:t>30.05.2025</a:t>
             </a:fld>
             <a:endParaRPr lang="de-DE"/>
           </a:p>
@@ -2064,7 +2071,7 @@
           <a:p>
             <a:fld id="{0E7AAB0F-BE38-4073-B381-E2A8B75DEDE1}" type="datetimeFigureOut">
               <a:rPr lang="de-DE" smtClean="0"/>
-              <a:t>28.05.2025</a:t>
+              <a:t>30.05.2025</a:t>
             </a:fld>
             <a:endParaRPr lang="de-DE"/>
           </a:p>
@@ -2375,7 +2382,7 @@
           <a:p>
             <a:fld id="{0E7AAB0F-BE38-4073-B381-E2A8B75DEDE1}" type="datetimeFigureOut">
               <a:rPr lang="de-DE" smtClean="0"/>
-              <a:t>28.05.2025</a:t>
+              <a:t>30.05.2025</a:t>
             </a:fld>
             <a:endParaRPr lang="de-DE"/>
           </a:p>
@@ -2663,7 +2670,7 @@
           <a:p>
             <a:fld id="{0E7AAB0F-BE38-4073-B381-E2A8B75DEDE1}" type="datetimeFigureOut">
               <a:rPr lang="de-DE" smtClean="0"/>
-              <a:t>28.05.2025</a:t>
+              <a:t>30.05.2025</a:t>
             </a:fld>
             <a:endParaRPr lang="de-DE"/>
           </a:p>
@@ -2904,7 +2911,7 @@
           <a:p>
             <a:fld id="{0E7AAB0F-BE38-4073-B381-E2A8B75DEDE1}" type="datetimeFigureOut">
               <a:rPr lang="de-DE" smtClean="0"/>
-              <a:t>28.05.2025</a:t>
+              <a:t>30.05.2025</a:t>
             </a:fld>
             <a:endParaRPr lang="de-DE"/>
           </a:p>
@@ -3323,6 +3330,704 @@
       </p:grpSpPr>
       <p:sp>
         <p:nvSpPr>
+          <p:cNvPr id="7" name="Textfeld 6">
+            <a:extLst>
+              <a:ext uri="{FF2B5EF4-FFF2-40B4-BE49-F238E27FC236}">
+                <a16:creationId xmlns:a16="http://schemas.microsoft.com/office/drawing/2014/main" id="{1C35BC8B-176A-4512-9C39-AE2713998C19}"/>
+              </a:ext>
+            </a:extLst>
+          </p:cNvPr>
+          <p:cNvSpPr txBox="1"/>
+          <p:nvPr/>
+        </p:nvSpPr>
+        <p:spPr>
+          <a:xfrm>
+            <a:off x="954992" y="787910"/>
+            <a:ext cx="9180319" cy="4466223"/>
+          </a:xfrm>
+          <a:prstGeom prst="rect">
+            <a:avLst/>
+          </a:prstGeom>
+          <a:noFill/>
+        </p:spPr>
+        <p:txBody>
+          <a:bodyPr wrap="square">
+            <a:spAutoFit/>
+          </a:bodyPr>
+          <a:lstStyle/>
+          <a:p>
+            <a:pPr>
+              <a:lnSpc>
+                <a:spcPct val="107000"/>
+              </a:lnSpc>
+              <a:spcAft>
+                <a:spcPts val="800"/>
+              </a:spcAft>
+            </a:pPr>
+            <a:r>
+              <a:rPr lang="de-DE" sz="1000" dirty="0">
+                <a:effectLst/>
+                <a:latin typeface="Calibri" panose="020F0502020204030204" pitchFamily="34" charset="0"/>
+                <a:ea typeface="Calibri" panose="020F0502020204030204" pitchFamily="34" charset="0"/>
+                <a:cs typeface="Times New Roman" panose="02020603050405020304" pitchFamily="18" charset="0"/>
+              </a:rPr>
+              <a:t>Ein </a:t>
+            </a:r>
+            <a:r>
+              <a:rPr lang="de-DE" sz="1000" b="1" dirty="0" err="1">
+                <a:effectLst/>
+                <a:latin typeface="Calibri" panose="020F0502020204030204" pitchFamily="34" charset="0"/>
+                <a:ea typeface="Calibri" panose="020F0502020204030204" pitchFamily="34" charset="0"/>
+                <a:cs typeface="Times New Roman" panose="02020603050405020304" pitchFamily="18" charset="0"/>
+              </a:rPr>
+              <a:t>TierTaxi</a:t>
+            </a:r>
+            <a:r>
+              <a:rPr lang="de-DE" sz="1000" b="1" dirty="0">
+                <a:effectLst/>
+                <a:latin typeface="Calibri" panose="020F0502020204030204" pitchFamily="34" charset="0"/>
+                <a:ea typeface="Calibri" panose="020F0502020204030204" pitchFamily="34" charset="0"/>
+                <a:cs typeface="Times New Roman" panose="02020603050405020304" pitchFamily="18" charset="0"/>
+              </a:rPr>
+              <a:t>-Unternehmen</a:t>
+            </a:r>
+            <a:r>
+              <a:rPr lang="de-DE" sz="1000" dirty="0">
+                <a:effectLst/>
+                <a:latin typeface="Calibri" panose="020F0502020204030204" pitchFamily="34" charset="0"/>
+                <a:ea typeface="Calibri" panose="020F0502020204030204" pitchFamily="34" charset="0"/>
+                <a:cs typeface="Times New Roman" panose="02020603050405020304" pitchFamily="18" charset="0"/>
+              </a:rPr>
+              <a:t> bietet Transporte via Tiere an.</a:t>
+            </a:r>
+          </a:p>
+          <a:p>
+            <a:pPr>
+              <a:lnSpc>
+                <a:spcPct val="107000"/>
+              </a:lnSpc>
+              <a:spcAft>
+                <a:spcPts val="800"/>
+              </a:spcAft>
+            </a:pPr>
+            <a:r>
+              <a:rPr lang="de-DE" sz="1000" dirty="0">
+                <a:solidFill>
+                  <a:srgbClr val="4472C4"/>
+                </a:solidFill>
+                <a:effectLst/>
+                <a:latin typeface="Calibri" panose="020F0502020204030204" pitchFamily="34" charset="0"/>
+                <a:ea typeface="Calibri" panose="020F0502020204030204" pitchFamily="34" charset="0"/>
+                <a:cs typeface="Times New Roman" panose="02020603050405020304" pitchFamily="18" charset="0"/>
+              </a:rPr>
+              <a:t>Kunden</a:t>
+            </a:r>
+            <a:r>
+              <a:rPr lang="de-DE" sz="1000" dirty="0">
+                <a:effectLst/>
+                <a:latin typeface="Calibri" panose="020F0502020204030204" pitchFamily="34" charset="0"/>
+                <a:ea typeface="Calibri" panose="020F0502020204030204" pitchFamily="34" charset="0"/>
+                <a:cs typeface="Times New Roman" panose="02020603050405020304" pitchFamily="18" charset="0"/>
+              </a:rPr>
+              <a:t> können sich Tiere zum Transport an ihrem </a:t>
+            </a:r>
+            <a:r>
+              <a:rPr lang="de-DE" sz="1000" dirty="0">
+                <a:solidFill>
+                  <a:srgbClr val="4472C4"/>
+                </a:solidFill>
+                <a:effectLst/>
+                <a:latin typeface="Calibri" panose="020F0502020204030204" pitchFamily="34" charset="0"/>
+                <a:ea typeface="Calibri" panose="020F0502020204030204" pitchFamily="34" charset="0"/>
+                <a:cs typeface="Times New Roman" panose="02020603050405020304" pitchFamily="18" charset="0"/>
+              </a:rPr>
+              <a:t>Standort </a:t>
+            </a:r>
+            <a:r>
+              <a:rPr lang="de-DE" sz="1000" dirty="0">
+                <a:effectLst/>
+                <a:latin typeface="Calibri" panose="020F0502020204030204" pitchFamily="34" charset="0"/>
+                <a:ea typeface="Calibri" panose="020F0502020204030204" pitchFamily="34" charset="0"/>
+                <a:cs typeface="Times New Roman" panose="02020603050405020304" pitchFamily="18" charset="0"/>
+              </a:rPr>
+              <a:t>für eine gewünschte nicht definierte Dauer mieten. Ein Kunde kann je Auftrag ein Tier buchen. </a:t>
+            </a:r>
+          </a:p>
+          <a:p>
+            <a:pPr>
+              <a:lnSpc>
+                <a:spcPct val="107000"/>
+              </a:lnSpc>
+              <a:spcAft>
+                <a:spcPts val="800"/>
+              </a:spcAft>
+            </a:pPr>
+            <a:r>
+              <a:rPr lang="de-DE" sz="1000" dirty="0">
+                <a:effectLst/>
+                <a:latin typeface="Calibri" panose="020F0502020204030204" pitchFamily="34" charset="0"/>
+                <a:ea typeface="Calibri" panose="020F0502020204030204" pitchFamily="34" charset="0"/>
+                <a:cs typeface="Times New Roman" panose="02020603050405020304" pitchFamily="18" charset="0"/>
+              </a:rPr>
+              <a:t>Der </a:t>
+            </a:r>
+            <a:r>
+              <a:rPr lang="de-DE" sz="1000" dirty="0">
+                <a:solidFill>
+                  <a:srgbClr val="4472C4"/>
+                </a:solidFill>
+                <a:effectLst/>
+                <a:latin typeface="Calibri" panose="020F0502020204030204" pitchFamily="34" charset="0"/>
+                <a:ea typeface="Calibri" panose="020F0502020204030204" pitchFamily="34" charset="0"/>
+                <a:cs typeface="Times New Roman" panose="02020603050405020304" pitchFamily="18" charset="0"/>
+              </a:rPr>
+              <a:t>Buchungsprozess </a:t>
+            </a:r>
+            <a:r>
+              <a:rPr lang="de-DE" sz="1000" dirty="0">
+                <a:effectLst/>
+                <a:latin typeface="Calibri" panose="020F0502020204030204" pitchFamily="34" charset="0"/>
+                <a:ea typeface="Calibri" panose="020F0502020204030204" pitchFamily="34" charset="0"/>
+                <a:cs typeface="Times New Roman" panose="02020603050405020304" pitchFamily="18" charset="0"/>
+              </a:rPr>
+              <a:t>beginnt, wenn ein Kunde ein Tier für den Transport </a:t>
+            </a:r>
+            <a:r>
+              <a:rPr lang="de-DE" sz="1000" dirty="0">
+                <a:solidFill>
+                  <a:srgbClr val="4472C4"/>
+                </a:solidFill>
+                <a:effectLst/>
+                <a:latin typeface="Calibri" panose="020F0502020204030204" pitchFamily="34" charset="0"/>
+                <a:ea typeface="Calibri" panose="020F0502020204030204" pitchFamily="34" charset="0"/>
+                <a:cs typeface="Times New Roman" panose="02020603050405020304" pitchFamily="18" charset="0"/>
+              </a:rPr>
+              <a:t>anfragt</a:t>
+            </a:r>
+            <a:r>
+              <a:rPr lang="de-DE" sz="1000" dirty="0">
+                <a:effectLst/>
+                <a:latin typeface="Calibri" panose="020F0502020204030204" pitchFamily="34" charset="0"/>
+                <a:ea typeface="Calibri" panose="020F0502020204030204" pitchFamily="34" charset="0"/>
+                <a:cs typeface="Times New Roman" panose="02020603050405020304" pitchFamily="18" charset="0"/>
+              </a:rPr>
+              <a:t>. Hierbei wird ein Auftrag angelegt. Der Auftrag muss </a:t>
+            </a:r>
+            <a:r>
+              <a:rPr lang="de-DE" sz="1000" dirty="0">
+                <a:solidFill>
+                  <a:srgbClr val="4472C4"/>
+                </a:solidFill>
+                <a:effectLst/>
+                <a:latin typeface="Calibri" panose="020F0502020204030204" pitchFamily="34" charset="0"/>
+                <a:ea typeface="Calibri" panose="020F0502020204030204" pitchFamily="34" charset="0"/>
+                <a:cs typeface="Times New Roman" panose="02020603050405020304" pitchFamily="18" charset="0"/>
+              </a:rPr>
+              <a:t>genehmigt </a:t>
+            </a:r>
+            <a:r>
+              <a:rPr lang="de-DE" sz="1000" dirty="0">
+                <a:effectLst/>
+                <a:latin typeface="Calibri" panose="020F0502020204030204" pitchFamily="34" charset="0"/>
+                <a:ea typeface="Calibri" panose="020F0502020204030204" pitchFamily="34" charset="0"/>
+                <a:cs typeface="Times New Roman" panose="02020603050405020304" pitchFamily="18" charset="0"/>
+              </a:rPr>
+              <a:t>werden. Es werden folgende Punkte geprüft:</a:t>
+            </a:r>
+          </a:p>
+          <a:p>
+            <a:pPr marL="342900" lvl="0" indent="-342900">
+              <a:lnSpc>
+                <a:spcPct val="107000"/>
+              </a:lnSpc>
+              <a:buFont typeface="Symbol" panose="05050102010706020507" pitchFamily="18" charset="2"/>
+              <a:buChar char=""/>
+            </a:pPr>
+            <a:r>
+              <a:rPr lang="de-DE" sz="1000" dirty="0">
+                <a:effectLst/>
+                <a:latin typeface="Calibri" panose="020F0502020204030204" pitchFamily="34" charset="0"/>
+                <a:ea typeface="Calibri" panose="020F0502020204030204" pitchFamily="34" charset="0"/>
+                <a:cs typeface="Times New Roman" panose="02020603050405020304" pitchFamily="18" charset="0"/>
+              </a:rPr>
+              <a:t>Verfügbarkeit eines Tieres am Standort</a:t>
+            </a:r>
+          </a:p>
+          <a:p>
+            <a:pPr marL="342900" lvl="0" indent="-342900">
+              <a:lnSpc>
+                <a:spcPct val="107000"/>
+              </a:lnSpc>
+              <a:buFont typeface="Symbol" panose="05050102010706020507" pitchFamily="18" charset="2"/>
+              <a:buChar char=""/>
+            </a:pPr>
+            <a:r>
+              <a:rPr lang="de-DE" sz="1000" dirty="0">
+                <a:effectLst/>
+                <a:latin typeface="Calibri" panose="020F0502020204030204" pitchFamily="34" charset="0"/>
+                <a:ea typeface="Calibri" panose="020F0502020204030204" pitchFamily="34" charset="0"/>
+                <a:cs typeface="Times New Roman" panose="02020603050405020304" pitchFamily="18" charset="0"/>
+              </a:rPr>
+              <a:t>Gewicht des Kunden darf zulässiges Gewicht des Tieres nicht überschreiten</a:t>
+            </a:r>
+          </a:p>
+          <a:p>
+            <a:pPr marL="342900" lvl="0" indent="-342900">
+              <a:lnSpc>
+                <a:spcPct val="107000"/>
+              </a:lnSpc>
+              <a:spcAft>
+                <a:spcPts val="800"/>
+              </a:spcAft>
+              <a:buFont typeface="Symbol" panose="05050102010706020507" pitchFamily="18" charset="2"/>
+              <a:buChar char=""/>
+            </a:pPr>
+            <a:r>
+              <a:rPr lang="de-DE" sz="1000" dirty="0">
+                <a:effectLst/>
+                <a:latin typeface="Calibri" panose="020F0502020204030204" pitchFamily="34" charset="0"/>
+                <a:ea typeface="Calibri" panose="020F0502020204030204" pitchFamily="34" charset="0"/>
+                <a:cs typeface="Times New Roman" panose="02020603050405020304" pitchFamily="18" charset="0"/>
+              </a:rPr>
+              <a:t>Gültiges Tierarztprotokoll (Tierarztprotokoll darf nicht älter als ein Jahr sein)</a:t>
+            </a:r>
+          </a:p>
+          <a:p>
+            <a:pPr>
+              <a:lnSpc>
+                <a:spcPct val="107000"/>
+              </a:lnSpc>
+              <a:spcAft>
+                <a:spcPts val="800"/>
+              </a:spcAft>
+            </a:pPr>
+            <a:r>
+              <a:rPr lang="de-DE" sz="1000" dirty="0">
+                <a:effectLst/>
+                <a:latin typeface="Calibri" panose="020F0502020204030204" pitchFamily="34" charset="0"/>
+                <a:ea typeface="Calibri" panose="020F0502020204030204" pitchFamily="34" charset="0"/>
+                <a:cs typeface="Times New Roman" panose="02020603050405020304" pitchFamily="18" charset="0"/>
+              </a:rPr>
+              <a:t>Mit der Genehmigung des Auftrages geht der Auftrag in die </a:t>
+            </a:r>
+            <a:r>
+              <a:rPr lang="de-DE" sz="1000" dirty="0">
+                <a:solidFill>
+                  <a:srgbClr val="4472C4"/>
+                </a:solidFill>
+                <a:effectLst/>
+                <a:latin typeface="Calibri" panose="020F0502020204030204" pitchFamily="34" charset="0"/>
+                <a:ea typeface="Calibri" panose="020F0502020204030204" pitchFamily="34" charset="0"/>
+                <a:cs typeface="Times New Roman" panose="02020603050405020304" pitchFamily="18" charset="0"/>
+              </a:rPr>
+              <a:t>Durchführung</a:t>
+            </a:r>
+            <a:r>
+              <a:rPr lang="de-DE" sz="1000" dirty="0">
+                <a:effectLst/>
+                <a:latin typeface="Calibri" panose="020F0502020204030204" pitchFamily="34" charset="0"/>
+                <a:ea typeface="Calibri" panose="020F0502020204030204" pitchFamily="34" charset="0"/>
+                <a:cs typeface="Times New Roman" panose="02020603050405020304" pitchFamily="18" charset="0"/>
+              </a:rPr>
+              <a:t>. Entspricht die angefragte Buchung nicht den geprüften Kriterien, wird der Auftrag abgelehnt und der Buchungsprozess ist </a:t>
+            </a:r>
+            <a:r>
+              <a:rPr lang="de-DE" sz="1000" dirty="0">
+                <a:solidFill>
+                  <a:srgbClr val="4472C4"/>
+                </a:solidFill>
+                <a:effectLst/>
+                <a:latin typeface="Calibri" panose="020F0502020204030204" pitchFamily="34" charset="0"/>
+                <a:ea typeface="Calibri" panose="020F0502020204030204" pitchFamily="34" charset="0"/>
+                <a:cs typeface="Times New Roman" panose="02020603050405020304" pitchFamily="18" charset="0"/>
+              </a:rPr>
+              <a:t>beendet</a:t>
+            </a:r>
+            <a:r>
+              <a:rPr lang="de-DE" sz="1000" dirty="0">
+                <a:effectLst/>
+                <a:latin typeface="Calibri" panose="020F0502020204030204" pitchFamily="34" charset="0"/>
+                <a:ea typeface="Calibri" panose="020F0502020204030204" pitchFamily="34" charset="0"/>
+                <a:cs typeface="Times New Roman" panose="02020603050405020304" pitchFamily="18" charset="0"/>
+              </a:rPr>
+              <a:t>.</a:t>
+            </a:r>
+          </a:p>
+          <a:p>
+            <a:pPr>
+              <a:lnSpc>
+                <a:spcPct val="107000"/>
+              </a:lnSpc>
+              <a:spcAft>
+                <a:spcPts val="800"/>
+              </a:spcAft>
+            </a:pPr>
+            <a:r>
+              <a:rPr lang="de-DE" sz="1000" dirty="0">
+                <a:effectLst/>
+                <a:latin typeface="Calibri" panose="020F0502020204030204" pitchFamily="34" charset="0"/>
+                <a:ea typeface="Calibri" panose="020F0502020204030204" pitchFamily="34" charset="0"/>
+                <a:cs typeface="Times New Roman" panose="02020603050405020304" pitchFamily="18" charset="0"/>
+              </a:rPr>
+              <a:t>Der Buchungsprozess kann durch die gespeicherten Prozedur </a:t>
+            </a:r>
+            <a:r>
+              <a:rPr lang="de-DE" sz="1000" dirty="0" err="1">
+                <a:solidFill>
+                  <a:srgbClr val="538135"/>
+                </a:solidFill>
+                <a:effectLst/>
+                <a:latin typeface="Calibri" panose="020F0502020204030204" pitchFamily="34" charset="0"/>
+                <a:ea typeface="Calibri" panose="020F0502020204030204" pitchFamily="34" charset="0"/>
+                <a:cs typeface="Times New Roman" panose="02020603050405020304" pitchFamily="18" charset="0"/>
+              </a:rPr>
+              <a:t>sp_Buchungsprozess</a:t>
+            </a:r>
+            <a:r>
+              <a:rPr lang="de-DE" sz="1000" dirty="0">
+                <a:solidFill>
+                  <a:srgbClr val="538135"/>
+                </a:solidFill>
+                <a:effectLst/>
+                <a:latin typeface="Calibri" panose="020F0502020204030204" pitchFamily="34" charset="0"/>
+                <a:ea typeface="Calibri" panose="020F0502020204030204" pitchFamily="34" charset="0"/>
+                <a:cs typeface="Times New Roman" panose="02020603050405020304" pitchFamily="18" charset="0"/>
+              </a:rPr>
+              <a:t> </a:t>
+            </a:r>
+            <a:r>
+              <a:rPr lang="de-DE" sz="1000" dirty="0">
+                <a:effectLst/>
+                <a:latin typeface="Calibri" panose="020F0502020204030204" pitchFamily="34" charset="0"/>
+                <a:ea typeface="Calibri" panose="020F0502020204030204" pitchFamily="34" charset="0"/>
+                <a:cs typeface="Times New Roman" panose="02020603050405020304" pitchFamily="18" charset="0"/>
+              </a:rPr>
+              <a:t>angestoßen werden. Der Prozedur wird eine Kunden ID übergeben. Zunächst wird geprüft, ob der Kunde bereits angelegt ist und es am Kunden-Standort geeignete Tiere (siehe oben) gibt. Sofern es ein geeignetes Tier für den Kunden gibt, wird ein Auftrag in der Auftrags-Tabelle angelegt und das Tier ist nicht mehr für Buchungen verfügbar, bis die Endzeit der Buchung eingetragen wird und der Buchungsstatus sich wieder ändert. Die Prozedur greift auf die Tabellenwertfunktion</a:t>
+            </a:r>
+            <a:r>
+              <a:rPr lang="de-DE" sz="1000" dirty="0">
+                <a:solidFill>
+                  <a:srgbClr val="538135"/>
+                </a:solidFill>
+                <a:effectLst/>
+                <a:latin typeface="Calibri" panose="020F0502020204030204" pitchFamily="34" charset="0"/>
+                <a:ea typeface="Calibri" panose="020F0502020204030204" pitchFamily="34" charset="0"/>
+                <a:cs typeface="Times New Roman" panose="02020603050405020304" pitchFamily="18" charset="0"/>
+              </a:rPr>
+              <a:t> </a:t>
+            </a:r>
+            <a:r>
+              <a:rPr lang="de-DE" sz="1000" dirty="0" err="1">
+                <a:solidFill>
+                  <a:srgbClr val="538135"/>
+                </a:solidFill>
+                <a:effectLst/>
+                <a:latin typeface="Calibri" panose="020F0502020204030204" pitchFamily="34" charset="0"/>
+                <a:ea typeface="Calibri" panose="020F0502020204030204" pitchFamily="34" charset="0"/>
+                <a:cs typeface="Times New Roman" panose="02020603050405020304" pitchFamily="18" charset="0"/>
+              </a:rPr>
+              <a:t>tf_Verfuegbarkeit_Tier</a:t>
+            </a:r>
+            <a:r>
+              <a:rPr lang="de-DE" sz="1000" dirty="0">
+                <a:solidFill>
+                  <a:srgbClr val="538135"/>
+                </a:solidFill>
+                <a:effectLst/>
+                <a:latin typeface="Calibri" panose="020F0502020204030204" pitchFamily="34" charset="0"/>
+                <a:ea typeface="Calibri" panose="020F0502020204030204" pitchFamily="34" charset="0"/>
+                <a:cs typeface="Times New Roman" panose="02020603050405020304" pitchFamily="18" charset="0"/>
+              </a:rPr>
+              <a:t> </a:t>
+            </a:r>
+            <a:r>
+              <a:rPr lang="de-DE" sz="1000" dirty="0">
+                <a:effectLst/>
+                <a:latin typeface="Calibri" panose="020F0502020204030204" pitchFamily="34" charset="0"/>
+                <a:ea typeface="Calibri" panose="020F0502020204030204" pitchFamily="34" charset="0"/>
+                <a:cs typeface="Times New Roman" panose="02020603050405020304" pitchFamily="18" charset="0"/>
+              </a:rPr>
+              <a:t>und die </a:t>
+            </a:r>
+            <a:r>
+              <a:rPr lang="de-DE" sz="1000" dirty="0" err="1">
+                <a:effectLst/>
+                <a:latin typeface="Calibri" panose="020F0502020204030204" pitchFamily="34" charset="0"/>
+                <a:ea typeface="Calibri" panose="020F0502020204030204" pitchFamily="34" charset="0"/>
+                <a:cs typeface="Times New Roman" panose="02020603050405020304" pitchFamily="18" charset="0"/>
+              </a:rPr>
+              <a:t>Skalarwert</a:t>
+            </a:r>
+            <a:r>
+              <a:rPr lang="de-DE" sz="1000" dirty="0">
+                <a:effectLst/>
+                <a:latin typeface="Calibri" panose="020F0502020204030204" pitchFamily="34" charset="0"/>
+                <a:ea typeface="Calibri" panose="020F0502020204030204" pitchFamily="34" charset="0"/>
+                <a:cs typeface="Times New Roman" panose="02020603050405020304" pitchFamily="18" charset="0"/>
+              </a:rPr>
+              <a:t>-Funktion </a:t>
+            </a:r>
+            <a:r>
+              <a:rPr lang="de-DE" sz="1000" dirty="0" err="1">
+                <a:solidFill>
+                  <a:srgbClr val="538135"/>
+                </a:solidFill>
+                <a:effectLst/>
+                <a:latin typeface="Calibri" panose="020F0502020204030204" pitchFamily="34" charset="0"/>
+                <a:ea typeface="Calibri" panose="020F0502020204030204" pitchFamily="34" charset="0"/>
+                <a:cs typeface="Times New Roman" panose="02020603050405020304" pitchFamily="18" charset="0"/>
+              </a:rPr>
+              <a:t>sf_Tier_in_Durchfuehrung</a:t>
+            </a:r>
+            <a:r>
+              <a:rPr lang="de-DE" sz="1000" dirty="0">
+                <a:solidFill>
+                  <a:srgbClr val="538135"/>
+                </a:solidFill>
+                <a:effectLst/>
+                <a:latin typeface="Calibri" panose="020F0502020204030204" pitchFamily="34" charset="0"/>
+                <a:ea typeface="Calibri" panose="020F0502020204030204" pitchFamily="34" charset="0"/>
+                <a:cs typeface="Times New Roman" panose="02020603050405020304" pitchFamily="18" charset="0"/>
+              </a:rPr>
+              <a:t> </a:t>
+            </a:r>
+            <a:r>
+              <a:rPr lang="de-DE" sz="1000" dirty="0">
+                <a:effectLst/>
+                <a:latin typeface="Calibri" panose="020F0502020204030204" pitchFamily="34" charset="0"/>
+                <a:ea typeface="Calibri" panose="020F0502020204030204" pitchFamily="34" charset="0"/>
+                <a:cs typeface="Times New Roman" panose="02020603050405020304" pitchFamily="18" charset="0"/>
+              </a:rPr>
+              <a:t>zu.</a:t>
+            </a:r>
+          </a:p>
+          <a:p>
+            <a:pPr>
+              <a:lnSpc>
+                <a:spcPct val="107000"/>
+              </a:lnSpc>
+              <a:spcAft>
+                <a:spcPts val="800"/>
+              </a:spcAft>
+            </a:pPr>
+            <a:r>
+              <a:rPr lang="de-DE" sz="1000" dirty="0">
+                <a:effectLst/>
+                <a:latin typeface="Calibri" panose="020F0502020204030204" pitchFamily="34" charset="0"/>
+                <a:ea typeface="Calibri" panose="020F0502020204030204" pitchFamily="34" charset="0"/>
+                <a:cs typeface="Times New Roman" panose="02020603050405020304" pitchFamily="18" charset="0"/>
+              </a:rPr>
+              <a:t>Wenn bei einem genehmigten Auftrag der Kunde die Mietdauer beendet, und somit das Enddatum und die Enduhrzeit feststehen, ist der Auftrag </a:t>
+            </a:r>
+            <a:r>
+              <a:rPr lang="de-DE" sz="1000" dirty="0">
+                <a:solidFill>
+                  <a:srgbClr val="4472C4"/>
+                </a:solidFill>
+                <a:effectLst/>
+                <a:latin typeface="Calibri" panose="020F0502020204030204" pitchFamily="34" charset="0"/>
+                <a:ea typeface="Calibri" panose="020F0502020204030204" pitchFamily="34" charset="0"/>
+                <a:cs typeface="Times New Roman" panose="02020603050405020304" pitchFamily="18" charset="0"/>
+              </a:rPr>
+              <a:t>abgeschlossen</a:t>
+            </a:r>
+            <a:r>
+              <a:rPr lang="de-DE" sz="1000" dirty="0">
+                <a:effectLst/>
+                <a:latin typeface="Calibri" panose="020F0502020204030204" pitchFamily="34" charset="0"/>
+                <a:ea typeface="Calibri" panose="020F0502020204030204" pitchFamily="34" charset="0"/>
+                <a:cs typeface="Times New Roman" panose="02020603050405020304" pitchFamily="18" charset="0"/>
+              </a:rPr>
+              <a:t>. Es erfolgt eine </a:t>
+            </a:r>
+            <a:r>
+              <a:rPr lang="de-DE" sz="1000" dirty="0">
+                <a:solidFill>
+                  <a:srgbClr val="4472C4"/>
+                </a:solidFill>
+                <a:effectLst/>
+                <a:latin typeface="Calibri" panose="020F0502020204030204" pitchFamily="34" charset="0"/>
+                <a:ea typeface="Calibri" panose="020F0502020204030204" pitchFamily="34" charset="0"/>
+                <a:cs typeface="Times New Roman" panose="02020603050405020304" pitchFamily="18" charset="0"/>
+              </a:rPr>
+              <a:t>Rechnung</a:t>
+            </a:r>
+            <a:r>
+              <a:rPr lang="de-DE" sz="1000" dirty="0">
+                <a:effectLst/>
+                <a:latin typeface="Calibri" panose="020F0502020204030204" pitchFamily="34" charset="0"/>
+                <a:ea typeface="Calibri" panose="020F0502020204030204" pitchFamily="34" charset="0"/>
+                <a:cs typeface="Times New Roman" panose="02020603050405020304" pitchFamily="18" charset="0"/>
+              </a:rPr>
+              <a:t>. Abgerechnet wird die gemietete Zeit in angefangen Stunden (aufgerundet auf die volle Stunde). Die Futterkosten variieren je nach Futtertyp (Karnivore, Omnivore, Herbivore) und Größe (Futtermenge) des Tieres. </a:t>
+            </a:r>
+          </a:p>
+          <a:p>
+            <a:pPr>
+              <a:lnSpc>
+                <a:spcPct val="107000"/>
+              </a:lnSpc>
+              <a:spcAft>
+                <a:spcPts val="800"/>
+              </a:spcAft>
+            </a:pPr>
+            <a:r>
+              <a:rPr lang="de-DE" sz="1000" dirty="0">
+                <a:effectLst/>
+                <a:latin typeface="Calibri" panose="020F0502020204030204" pitchFamily="34" charset="0"/>
+                <a:ea typeface="Calibri" panose="020F0502020204030204" pitchFamily="34" charset="0"/>
+                <a:cs typeface="Times New Roman" panose="02020603050405020304" pitchFamily="18" charset="0"/>
+              </a:rPr>
+              <a:t>Der Trigger </a:t>
+            </a:r>
+            <a:r>
+              <a:rPr lang="de-DE" sz="1000" dirty="0" err="1">
+                <a:solidFill>
+                  <a:srgbClr val="538135"/>
+                </a:solidFill>
+                <a:effectLst/>
+                <a:latin typeface="Calibri" panose="020F0502020204030204" pitchFamily="34" charset="0"/>
+                <a:ea typeface="Calibri" panose="020F0502020204030204" pitchFamily="34" charset="0"/>
+                <a:cs typeface="Times New Roman" panose="02020603050405020304" pitchFamily="18" charset="0"/>
+              </a:rPr>
+              <a:t>trg_Buchungszeit_Insert</a:t>
+            </a:r>
+            <a:r>
+              <a:rPr lang="de-DE" sz="1000" dirty="0">
+                <a:solidFill>
+                  <a:srgbClr val="538135"/>
+                </a:solidFill>
+                <a:effectLst/>
+                <a:latin typeface="Calibri" panose="020F0502020204030204" pitchFamily="34" charset="0"/>
+                <a:ea typeface="Calibri" panose="020F0502020204030204" pitchFamily="34" charset="0"/>
+                <a:cs typeface="Times New Roman" panose="02020603050405020304" pitchFamily="18" charset="0"/>
+              </a:rPr>
+              <a:t> </a:t>
+            </a:r>
+            <a:r>
+              <a:rPr lang="de-DE" sz="1000" dirty="0">
+                <a:effectLst/>
+                <a:latin typeface="Calibri" panose="020F0502020204030204" pitchFamily="34" charset="0"/>
+                <a:ea typeface="Calibri" panose="020F0502020204030204" pitchFamily="34" charset="0"/>
+                <a:cs typeface="Times New Roman" panose="02020603050405020304" pitchFamily="18" charset="0"/>
+              </a:rPr>
+              <a:t>wird ausgelöst, sobald eine Endzeit der Buchung in die Tabelle </a:t>
+            </a:r>
+            <a:r>
+              <a:rPr lang="de-DE" sz="1000" dirty="0">
+                <a:solidFill>
+                  <a:srgbClr val="4472C4"/>
+                </a:solidFill>
+                <a:effectLst/>
+                <a:latin typeface="Calibri" panose="020F0502020204030204" pitchFamily="34" charset="0"/>
+                <a:ea typeface="Calibri" panose="020F0502020204030204" pitchFamily="34" charset="0"/>
+                <a:cs typeface="Times New Roman" panose="02020603050405020304" pitchFamily="18" charset="0"/>
+              </a:rPr>
+              <a:t>Aufträge </a:t>
+            </a:r>
+            <a:r>
+              <a:rPr lang="de-DE" sz="1000" dirty="0">
+                <a:effectLst/>
+                <a:latin typeface="Calibri" panose="020F0502020204030204" pitchFamily="34" charset="0"/>
+                <a:ea typeface="Calibri" panose="020F0502020204030204" pitchFamily="34" charset="0"/>
+                <a:cs typeface="Times New Roman" panose="02020603050405020304" pitchFamily="18" charset="0"/>
+              </a:rPr>
+              <a:t>eingetragen wird. Daraufhin berechnet sich automatisch die Gesamtdauer der Buchung (berechnete Spalte) und es wird (ausgelöst durch diesen Trigger) eine Zeile in der Tabelle Rechnung mit den entsprechenden Daten angelegt.</a:t>
+            </a:r>
+          </a:p>
+          <a:p>
+            <a:pPr>
+              <a:lnSpc>
+                <a:spcPct val="107000"/>
+              </a:lnSpc>
+              <a:spcAft>
+                <a:spcPts val="800"/>
+              </a:spcAft>
+            </a:pPr>
+            <a:r>
+              <a:rPr lang="de-DE" sz="1000" dirty="0">
+                <a:effectLst/>
+                <a:latin typeface="Calibri" panose="020F0502020204030204" pitchFamily="34" charset="0"/>
+                <a:ea typeface="Calibri" panose="020F0502020204030204" pitchFamily="34" charset="0"/>
+                <a:cs typeface="Times New Roman" panose="02020603050405020304" pitchFamily="18" charset="0"/>
+              </a:rPr>
+              <a:t>Die Tiere müssen regelmäßig zum Tierarzt. Eine gespeicherte Prozedur (</a:t>
+            </a:r>
+            <a:r>
+              <a:rPr lang="de-DE" sz="1000" dirty="0" err="1">
+                <a:solidFill>
+                  <a:srgbClr val="538135"/>
+                </a:solidFill>
+                <a:effectLst/>
+                <a:latin typeface="Calibri" panose="020F0502020204030204" pitchFamily="34" charset="0"/>
+                <a:ea typeface="Calibri" panose="020F0502020204030204" pitchFamily="34" charset="0"/>
+                <a:cs typeface="Times New Roman" panose="02020603050405020304" pitchFamily="18" charset="0"/>
+              </a:rPr>
+              <a:t>sp_TAP_aktualiseren</a:t>
+            </a:r>
+            <a:r>
+              <a:rPr lang="de-DE" sz="1000" dirty="0">
+                <a:effectLst/>
+                <a:latin typeface="Calibri" panose="020F0502020204030204" pitchFamily="34" charset="0"/>
+                <a:ea typeface="Calibri" panose="020F0502020204030204" pitchFamily="34" charset="0"/>
+                <a:cs typeface="Times New Roman" panose="02020603050405020304" pitchFamily="18" charset="0"/>
+              </a:rPr>
+              <a:t>) prüft, ob das Tierarztprotokoll der Tiere noch gültig ist. Falls der letzte Termin zu weit in der Vergangenheit liegt, wird der Status des Tierarztprotokolls für das Tier auf abgelaufen gesetzt und das Tier kann nicht mehr gebucht werden.</a:t>
+            </a:r>
+          </a:p>
+          <a:p>
+            <a:pPr>
+              <a:lnSpc>
+                <a:spcPct val="107000"/>
+              </a:lnSpc>
+              <a:spcAft>
+                <a:spcPts val="800"/>
+              </a:spcAft>
+            </a:pPr>
+            <a:r>
+              <a:rPr lang="de-DE" sz="1000" dirty="0">
+                <a:effectLst/>
+                <a:latin typeface="Calibri" panose="020F0502020204030204" pitchFamily="34" charset="0"/>
+                <a:ea typeface="Calibri" panose="020F0502020204030204" pitchFamily="34" charset="0"/>
+                <a:cs typeface="Times New Roman" panose="02020603050405020304" pitchFamily="18" charset="0"/>
+              </a:rPr>
+              <a:t>Bei Zahlungseingang wird der Bestellstatus manuell auf „bezahlt“ gesetzt.</a:t>
+            </a:r>
+          </a:p>
+        </p:txBody>
+      </p:sp>
+    </p:spTree>
+    <p:extLst>
+      <p:ext uri="{BB962C8B-B14F-4D97-AF65-F5344CB8AC3E}">
+        <p14:creationId xmlns:p14="http://schemas.microsoft.com/office/powerpoint/2010/main" val="3022812036"/>
+      </p:ext>
+    </p:extLst>
+  </p:cSld>
+  <p:clrMapOvr>
+    <a:masterClrMapping/>
+  </p:clrMapOvr>
+</p:sld>
+</file>
+
+<file path=ppt/slides/slide2.xml><?xml version="1.0" encoding="utf-8"?>
+<p:sld xmlns:a="http://schemas.openxmlformats.org/drawingml/2006/main" xmlns:r="http://schemas.openxmlformats.org/officeDocument/2006/relationships" xmlns:p="http://schemas.openxmlformats.org/presentationml/2006/main">
+  <p:cSld>
+    <p:spTree>
+      <p:nvGrpSpPr>
+        <p:cNvPr id="1" name=""/>
+        <p:cNvGrpSpPr/>
+        <p:nvPr/>
+      </p:nvGrpSpPr>
+      <p:grpSpPr>
+        <a:xfrm>
+          <a:off x="0" y="0"/>
+          <a:ext cx="0" cy="0"/>
+          <a:chOff x="0" y="0"/>
+          <a:chExt cx="0" cy="0"/>
+        </a:xfrm>
+      </p:grpSpPr>
+      <p:sp>
+        <p:nvSpPr>
           <p:cNvPr id="2" name="Titel 1">
             <a:extLst>
               <a:ext uri="{FF2B5EF4-FFF2-40B4-BE49-F238E27FC236}">
@@ -3358,10 +4063,10 @@
       </p:sp>
       <p:sp>
         <p:nvSpPr>
-          <p:cNvPr id="4" name="Rechteck 3">
-            <a:extLst>
-              <a:ext uri="{FF2B5EF4-FFF2-40B4-BE49-F238E27FC236}">
-                <a16:creationId xmlns:a16="http://schemas.microsoft.com/office/drawing/2014/main" id="{08A2C4B8-6930-42A5-B925-F2EB24A5BC15}"/>
+          <p:cNvPr id="6" name="Rechteck 5">
+            <a:extLst>
+              <a:ext uri="{FF2B5EF4-FFF2-40B4-BE49-F238E27FC236}">
+                <a16:creationId xmlns:a16="http://schemas.microsoft.com/office/drawing/2014/main" id="{E43DCE48-FF21-4166-96DE-FA397EEB87DF}"/>
               </a:ext>
             </a:extLst>
           </p:cNvPr>
@@ -3370,8 +4075,8 @@
         </p:nvSpPr>
         <p:spPr>
           <a:xfrm>
-            <a:off x="2298818" y="2931207"/>
-            <a:ext cx="1425008" cy="991313"/>
+            <a:off x="4172841" y="2931207"/>
+            <a:ext cx="1646490" cy="991313"/>
           </a:xfrm>
           <a:prstGeom prst="rect">
             <a:avLst/>
@@ -3400,17 +4105,17 @@
             <a:pPr algn="ctr"/>
             <a:r>
               <a:rPr lang="de-DE" dirty="0"/>
-              <a:t>Auftrag angelegt</a:t>
-            </a:r>
-          </a:p>
-        </p:txBody>
-      </p:sp>
-      <p:sp>
-        <p:nvSpPr>
-          <p:cNvPr id="5" name="Rechteck 4">
-            <a:extLst>
-              <a:ext uri="{FF2B5EF4-FFF2-40B4-BE49-F238E27FC236}">
-                <a16:creationId xmlns:a16="http://schemas.microsoft.com/office/drawing/2014/main" id="{818E9A6B-818A-4E26-B1AA-A165A918202F}"/>
+              <a:t>Auftrag in Durchführung</a:t>
+            </a:r>
+          </a:p>
+        </p:txBody>
+      </p:sp>
+      <p:sp>
+        <p:nvSpPr>
+          <p:cNvPr id="7" name="Rechteck 6">
+            <a:extLst>
+              <a:ext uri="{FF2B5EF4-FFF2-40B4-BE49-F238E27FC236}">
+                <a16:creationId xmlns:a16="http://schemas.microsoft.com/office/drawing/2014/main" id="{30F8E808-B60A-4B65-BEED-252BF0BBEBAF}"/>
               </a:ext>
             </a:extLst>
           </p:cNvPr>
@@ -3419,7 +4124,7 @@
         </p:nvSpPr>
         <p:spPr>
           <a:xfrm>
-            <a:off x="4166073" y="2933343"/>
+            <a:off x="4255095" y="4784910"/>
             <a:ext cx="1583821" cy="991313"/>
           </a:xfrm>
           <a:prstGeom prst="rect">
@@ -3449,17 +4154,17 @@
             <a:pPr algn="ctr"/>
             <a:r>
               <a:rPr lang="de-DE" dirty="0"/>
-              <a:t>Auftrag in Prüfung</a:t>
-            </a:r>
-          </a:p>
-        </p:txBody>
-      </p:sp>
-      <p:sp>
-        <p:nvSpPr>
-          <p:cNvPr id="6" name="Rechteck 5">
-            <a:extLst>
-              <a:ext uri="{FF2B5EF4-FFF2-40B4-BE49-F238E27FC236}">
-                <a16:creationId xmlns:a16="http://schemas.microsoft.com/office/drawing/2014/main" id="{E43DCE48-FF21-4166-96DE-FA397EEB87DF}"/>
+              <a:t>Auftrag wird abgelehnt</a:t>
+            </a:r>
+          </a:p>
+        </p:txBody>
+      </p:sp>
+      <p:sp>
+        <p:nvSpPr>
+          <p:cNvPr id="10" name="Rechteck 9">
+            <a:extLst>
+              <a:ext uri="{FF2B5EF4-FFF2-40B4-BE49-F238E27FC236}">
+                <a16:creationId xmlns:a16="http://schemas.microsoft.com/office/drawing/2014/main" id="{2E541977-6DD0-4E0F-A461-02721CF3DAE7}"/>
               </a:ext>
             </a:extLst>
           </p:cNvPr>
@@ -3468,105 +4173,7 @@
         </p:nvSpPr>
         <p:spPr>
           <a:xfrm>
-            <a:off x="6192141" y="2937612"/>
-            <a:ext cx="1646490" cy="991313"/>
-          </a:xfrm>
-          <a:prstGeom prst="rect">
-            <a:avLst/>
-          </a:prstGeom>
-        </p:spPr>
-        <p:style>
-          <a:lnRef idx="2">
-            <a:schemeClr val="accent1">
-              <a:shade val="50000"/>
-            </a:schemeClr>
-          </a:lnRef>
-          <a:fillRef idx="1">
-            <a:schemeClr val="accent1"/>
-          </a:fillRef>
-          <a:effectRef idx="0">
-            <a:schemeClr val="accent1"/>
-          </a:effectRef>
-          <a:fontRef idx="minor">
-            <a:schemeClr val="lt1"/>
-          </a:fontRef>
-        </p:style>
-        <p:txBody>
-          <a:bodyPr rtlCol="0" anchor="ctr"/>
-          <a:lstStyle/>
-          <a:p>
-            <a:pPr algn="ctr"/>
-            <a:r>
-              <a:rPr lang="de-DE" dirty="0"/>
-              <a:t>Auftrag in Durchführung</a:t>
-            </a:r>
-          </a:p>
-        </p:txBody>
-      </p:sp>
-      <p:sp>
-        <p:nvSpPr>
-          <p:cNvPr id="7" name="Rechteck 6">
-            <a:extLst>
-              <a:ext uri="{FF2B5EF4-FFF2-40B4-BE49-F238E27FC236}">
-                <a16:creationId xmlns:a16="http://schemas.microsoft.com/office/drawing/2014/main" id="{30F8E808-B60A-4B65-BEED-252BF0BBEBAF}"/>
-              </a:ext>
-            </a:extLst>
-          </p:cNvPr>
-          <p:cNvSpPr/>
-          <p:nvPr/>
-        </p:nvSpPr>
-        <p:spPr>
-          <a:xfrm>
-            <a:off x="5138160" y="4691638"/>
-            <a:ext cx="1583821" cy="991313"/>
-          </a:xfrm>
-          <a:prstGeom prst="rect">
-            <a:avLst/>
-          </a:prstGeom>
-        </p:spPr>
-        <p:style>
-          <a:lnRef idx="2">
-            <a:schemeClr val="accent1">
-              <a:shade val="50000"/>
-            </a:schemeClr>
-          </a:lnRef>
-          <a:fillRef idx="1">
-            <a:schemeClr val="accent1"/>
-          </a:fillRef>
-          <a:effectRef idx="0">
-            <a:schemeClr val="accent1"/>
-          </a:effectRef>
-          <a:fontRef idx="minor">
-            <a:schemeClr val="lt1"/>
-          </a:fontRef>
-        </p:style>
-        <p:txBody>
-          <a:bodyPr rtlCol="0" anchor="ctr"/>
-          <a:lstStyle/>
-          <a:p>
-            <a:pPr algn="ctr"/>
-            <a:r>
-              <a:rPr lang="de-DE" dirty="0"/>
-              <a:t>Auftrag wird abgelehnt</a:t>
-            </a:r>
-          </a:p>
-        </p:txBody>
-      </p:sp>
-      <p:sp>
-        <p:nvSpPr>
-          <p:cNvPr id="10" name="Rechteck 9">
-            <a:extLst>
-              <a:ext uri="{FF2B5EF4-FFF2-40B4-BE49-F238E27FC236}">
-                <a16:creationId xmlns:a16="http://schemas.microsoft.com/office/drawing/2014/main" id="{2E541977-6DD0-4E0F-A461-02721CF3DAE7}"/>
-              </a:ext>
-            </a:extLst>
-          </p:cNvPr>
-          <p:cNvSpPr/>
-          <p:nvPr/>
-        </p:nvSpPr>
-        <p:spPr>
-          <a:xfrm>
-            <a:off x="8280878" y="2931206"/>
+            <a:off x="6261578" y="2924801"/>
             <a:ext cx="1316052" cy="991313"/>
           </a:xfrm>
           <a:prstGeom prst="rect">
@@ -3615,7 +4222,7 @@
         </p:nvSpPr>
         <p:spPr>
           <a:xfrm>
-            <a:off x="10084407" y="2931206"/>
+            <a:off x="8065107" y="2924801"/>
             <a:ext cx="1204951" cy="991313"/>
           </a:xfrm>
           <a:prstGeom prst="rect">
@@ -3652,10 +4259,10 @@
       </p:sp>
       <p:sp>
         <p:nvSpPr>
-          <p:cNvPr id="12" name="Ellipse 11">
-            <a:extLst>
-              <a:ext uri="{FF2B5EF4-FFF2-40B4-BE49-F238E27FC236}">
-                <a16:creationId xmlns:a16="http://schemas.microsoft.com/office/drawing/2014/main" id="{D92ABE31-CEB9-4C00-8374-D1B92DF7C56F}"/>
+          <p:cNvPr id="14" name="Ellipse 13">
+            <a:extLst>
+              <a:ext uri="{FF2B5EF4-FFF2-40B4-BE49-F238E27FC236}">
+                <a16:creationId xmlns:a16="http://schemas.microsoft.com/office/drawing/2014/main" id="{429293B6-7CF5-4A38-9259-0CB142D0B397}"/>
               </a:ext>
             </a:extLst>
           </p:cNvPr>
@@ -3664,7 +4271,7 @@
         </p:nvSpPr>
         <p:spPr>
           <a:xfrm>
-            <a:off x="2219412" y="4042161"/>
+            <a:off x="4204176" y="4035755"/>
             <a:ext cx="1583820" cy="346105"/>
           </a:xfrm>
           <a:prstGeom prst="ellipse">
@@ -3694,17 +4301,17 @@
             <a:pPr algn="ctr"/>
             <a:r>
               <a:rPr lang="de-DE" sz="1000" dirty="0"/>
-              <a:t>Auftragsstatus 1</a:t>
-            </a:r>
-          </a:p>
-        </p:txBody>
-      </p:sp>
-      <p:sp>
-        <p:nvSpPr>
-          <p:cNvPr id="13" name="Ellipse 12">
-            <a:extLst>
-              <a:ext uri="{FF2B5EF4-FFF2-40B4-BE49-F238E27FC236}">
-                <a16:creationId xmlns:a16="http://schemas.microsoft.com/office/drawing/2014/main" id="{D766B0D9-D1BC-40E4-B1D9-F5E6FB50685B}"/>
+              <a:t>Auftragsstatus 3</a:t>
+            </a:r>
+          </a:p>
+        </p:txBody>
+      </p:sp>
+      <p:sp>
+        <p:nvSpPr>
+          <p:cNvPr id="16" name="Ellipse 15">
+            <a:extLst>
+              <a:ext uri="{FF2B5EF4-FFF2-40B4-BE49-F238E27FC236}">
+                <a16:creationId xmlns:a16="http://schemas.microsoft.com/office/drawing/2014/main" id="{95A9CE52-F900-4D40-BB4B-E4F9AECE854B}"/>
               </a:ext>
             </a:extLst>
           </p:cNvPr>
@@ -3713,7 +4320,7 @@
         </p:nvSpPr>
         <p:spPr>
           <a:xfrm>
-            <a:off x="4166074" y="4042161"/>
+            <a:off x="6127694" y="4035755"/>
             <a:ext cx="1583820" cy="346105"/>
           </a:xfrm>
           <a:prstGeom prst="ellipse">
@@ -3743,17 +4350,17 @@
             <a:pPr algn="ctr"/>
             <a:r>
               <a:rPr lang="de-DE" sz="1000" dirty="0"/>
-              <a:t>Auftragsstatus 2</a:t>
-            </a:r>
-          </a:p>
-        </p:txBody>
-      </p:sp>
-      <p:sp>
-        <p:nvSpPr>
-          <p:cNvPr id="14" name="Ellipse 13">
-            <a:extLst>
-              <a:ext uri="{FF2B5EF4-FFF2-40B4-BE49-F238E27FC236}">
-                <a16:creationId xmlns:a16="http://schemas.microsoft.com/office/drawing/2014/main" id="{429293B6-7CF5-4A38-9259-0CB142D0B397}"/>
+              <a:t>Auftragsstatus 5</a:t>
+            </a:r>
+          </a:p>
+        </p:txBody>
+      </p:sp>
+      <p:sp>
+        <p:nvSpPr>
+          <p:cNvPr id="17" name="Ellipse 16">
+            <a:extLst>
+              <a:ext uri="{FF2B5EF4-FFF2-40B4-BE49-F238E27FC236}">
+                <a16:creationId xmlns:a16="http://schemas.microsoft.com/office/drawing/2014/main" id="{D47E3DD8-F45A-4E7F-9ED0-04AE12F65B54}"/>
               </a:ext>
             </a:extLst>
           </p:cNvPr>
@@ -3762,7 +4369,7 @@
         </p:nvSpPr>
         <p:spPr>
           <a:xfrm>
-            <a:off x="6223476" y="4042160"/>
+            <a:off x="7875673" y="4035754"/>
             <a:ext cx="1583820" cy="346105"/>
           </a:xfrm>
           <a:prstGeom prst="ellipse">
@@ -3792,17 +4399,17 @@
             <a:pPr algn="ctr"/>
             <a:r>
               <a:rPr lang="de-DE" sz="1000" dirty="0"/>
-              <a:t>Auftragsstatus 3</a:t>
-            </a:r>
-          </a:p>
-        </p:txBody>
-      </p:sp>
-      <p:sp>
-        <p:nvSpPr>
-          <p:cNvPr id="16" name="Ellipse 15">
-            <a:extLst>
-              <a:ext uri="{FF2B5EF4-FFF2-40B4-BE49-F238E27FC236}">
-                <a16:creationId xmlns:a16="http://schemas.microsoft.com/office/drawing/2014/main" id="{95A9CE52-F900-4D40-BB4B-E4F9AECE854B}"/>
+              <a:t>Auftragsstatus 6 </a:t>
+            </a:r>
+          </a:p>
+        </p:txBody>
+      </p:sp>
+      <p:sp>
+        <p:nvSpPr>
+          <p:cNvPr id="18" name="Ellipse 17">
+            <a:extLst>
+              <a:ext uri="{FF2B5EF4-FFF2-40B4-BE49-F238E27FC236}">
+                <a16:creationId xmlns:a16="http://schemas.microsoft.com/office/drawing/2014/main" id="{CCCE0E6A-9111-4456-B4DC-B6FEC30BFC70}"/>
               </a:ext>
             </a:extLst>
           </p:cNvPr>
@@ -3811,7 +4418,7 @@
         </p:nvSpPr>
         <p:spPr>
           <a:xfrm>
-            <a:off x="8146994" y="4042160"/>
+            <a:off x="4327377" y="5864873"/>
             <a:ext cx="1583820" cy="346105"/>
           </a:xfrm>
           <a:prstGeom prst="ellipse">
@@ -3841,104 +4448,6 @@
             <a:pPr algn="ctr"/>
             <a:r>
               <a:rPr lang="de-DE" sz="1000" dirty="0"/>
-              <a:t>Auftragsstatus 5</a:t>
-            </a:r>
-          </a:p>
-        </p:txBody>
-      </p:sp>
-      <p:sp>
-        <p:nvSpPr>
-          <p:cNvPr id="17" name="Ellipse 16">
-            <a:extLst>
-              <a:ext uri="{FF2B5EF4-FFF2-40B4-BE49-F238E27FC236}">
-                <a16:creationId xmlns:a16="http://schemas.microsoft.com/office/drawing/2014/main" id="{D47E3DD8-F45A-4E7F-9ED0-04AE12F65B54}"/>
-              </a:ext>
-            </a:extLst>
-          </p:cNvPr>
-          <p:cNvSpPr/>
-          <p:nvPr/>
-        </p:nvSpPr>
-        <p:spPr>
-          <a:xfrm>
-            <a:off x="9894973" y="4042159"/>
-            <a:ext cx="1583820" cy="346105"/>
-          </a:xfrm>
-          <a:prstGeom prst="ellipse">
-            <a:avLst/>
-          </a:prstGeom>
-        </p:spPr>
-        <p:style>
-          <a:lnRef idx="2">
-            <a:schemeClr val="accent1">
-              <a:shade val="50000"/>
-            </a:schemeClr>
-          </a:lnRef>
-          <a:fillRef idx="1">
-            <a:schemeClr val="accent1"/>
-          </a:fillRef>
-          <a:effectRef idx="0">
-            <a:schemeClr val="accent1"/>
-          </a:effectRef>
-          <a:fontRef idx="minor">
-            <a:schemeClr val="lt1"/>
-          </a:fontRef>
-        </p:style>
-        <p:txBody>
-          <a:bodyPr rtlCol="0" anchor="ctr"/>
-          <a:lstStyle/>
-          <a:p>
-            <a:pPr algn="ctr"/>
-            <a:r>
-              <a:rPr lang="de-DE" sz="1000" dirty="0"/>
-              <a:t>Auftragsstatus 6 </a:t>
-            </a:r>
-          </a:p>
-        </p:txBody>
-      </p:sp>
-      <p:sp>
-        <p:nvSpPr>
-          <p:cNvPr id="18" name="Ellipse 17">
-            <a:extLst>
-              <a:ext uri="{FF2B5EF4-FFF2-40B4-BE49-F238E27FC236}">
-                <a16:creationId xmlns:a16="http://schemas.microsoft.com/office/drawing/2014/main" id="{CCCE0E6A-9111-4456-B4DC-B6FEC30BFC70}"/>
-              </a:ext>
-            </a:extLst>
-          </p:cNvPr>
-          <p:cNvSpPr/>
-          <p:nvPr/>
-        </p:nvSpPr>
-        <p:spPr>
-          <a:xfrm>
-            <a:off x="5138160" y="5813270"/>
-            <a:ext cx="1583820" cy="346105"/>
-          </a:xfrm>
-          <a:prstGeom prst="ellipse">
-            <a:avLst/>
-          </a:prstGeom>
-        </p:spPr>
-        <p:style>
-          <a:lnRef idx="2">
-            <a:schemeClr val="accent1">
-              <a:shade val="50000"/>
-            </a:schemeClr>
-          </a:lnRef>
-          <a:fillRef idx="1">
-            <a:schemeClr val="accent1"/>
-          </a:fillRef>
-          <a:effectRef idx="0">
-            <a:schemeClr val="accent1"/>
-          </a:effectRef>
-          <a:fontRef idx="minor">
-            <a:schemeClr val="lt1"/>
-          </a:fontRef>
-        </p:style>
-        <p:txBody>
-          <a:bodyPr rtlCol="0" anchor="ctr"/>
-          <a:lstStyle/>
-          <a:p>
-            <a:pPr algn="ctr"/>
-            <a:r>
-              <a:rPr lang="de-DE" sz="1000" dirty="0"/>
               <a:t>Auftragsstatus 7</a:t>
             </a:r>
           </a:p>
@@ -3953,13 +4462,15 @@
               </a:ext>
             </a:extLst>
           </p:cNvPr>
-          <p:cNvCxnSpPr/>
+          <p:cNvCxnSpPr>
+            <a:cxnSpLocks/>
+          </p:cNvCxnSpPr>
           <p:nvPr/>
         </p:nvCxnSpPr>
         <p:spPr>
           <a:xfrm>
-            <a:off x="1746190" y="2717561"/>
-            <a:ext cx="418744" cy="572568"/>
+            <a:off x="3219815" y="3420457"/>
+            <a:ext cx="702350" cy="0"/>
           </a:xfrm>
           <a:prstGeom prst="straightConnector1">
             <a:avLst/>
@@ -3997,7 +4508,7 @@
         </p:nvSpPr>
         <p:spPr>
           <a:xfrm>
-            <a:off x="1048283" y="1914257"/>
+            <a:off x="1835396" y="3082898"/>
             <a:ext cx="1250535" cy="675118"/>
           </a:xfrm>
           <a:prstGeom prst="roundRect">
@@ -4034,98 +4545,22 @@
       </p:sp>
       <p:cxnSp>
         <p:nvCxnSpPr>
-          <p:cNvPr id="23" name="Gerade Verbindung mit Pfeil 22">
-            <a:extLst>
-              <a:ext uri="{FF2B5EF4-FFF2-40B4-BE49-F238E27FC236}">
-                <a16:creationId xmlns:a16="http://schemas.microsoft.com/office/drawing/2014/main" id="{B801E810-98A2-4F29-97CC-9F37666B0EC1}"/>
-              </a:ext>
-            </a:extLst>
-          </p:cNvPr>
-          <p:cNvCxnSpPr/>
+          <p:cNvPr id="25" name="Gerade Verbindung mit Pfeil 24">
+            <a:extLst>
+              <a:ext uri="{FF2B5EF4-FFF2-40B4-BE49-F238E27FC236}">
+                <a16:creationId xmlns:a16="http://schemas.microsoft.com/office/drawing/2014/main" id="{68AFF541-E33B-4EC9-A495-8D2102BAFFFE}"/>
+              </a:ext>
+            </a:extLst>
+          </p:cNvPr>
+          <p:cNvCxnSpPr>
+            <a:cxnSpLocks/>
+          </p:cNvCxnSpPr>
           <p:nvPr/>
         </p:nvCxnSpPr>
         <p:spPr>
           <a:xfrm>
-            <a:off x="3803232" y="3433268"/>
-            <a:ext cx="290203" cy="0"/>
-          </a:xfrm>
-          <a:prstGeom prst="straightConnector1">
-            <a:avLst/>
-          </a:prstGeom>
-          <a:ln>
-            <a:tailEnd type="triangle"/>
-          </a:ln>
-        </p:spPr>
-        <p:style>
-          <a:lnRef idx="1">
-            <a:schemeClr val="accent1"/>
-          </a:lnRef>
-          <a:fillRef idx="0">
-            <a:schemeClr val="accent1"/>
-          </a:fillRef>
-          <a:effectRef idx="0">
-            <a:schemeClr val="accent1"/>
-          </a:effectRef>
-          <a:fontRef idx="minor">
-            <a:schemeClr val="tx1"/>
-          </a:fontRef>
-        </p:style>
-      </p:cxnSp>
-      <p:cxnSp>
-        <p:nvCxnSpPr>
-          <p:cNvPr id="25" name="Gerade Verbindung mit Pfeil 24">
-            <a:extLst>
-              <a:ext uri="{FF2B5EF4-FFF2-40B4-BE49-F238E27FC236}">
-                <a16:creationId xmlns:a16="http://schemas.microsoft.com/office/drawing/2014/main" id="{68AFF541-E33B-4EC9-A495-8D2102BAFFFE}"/>
-              </a:ext>
-            </a:extLst>
-          </p:cNvPr>
-          <p:cNvCxnSpPr/>
-          <p:nvPr/>
-        </p:nvCxnSpPr>
-        <p:spPr>
-          <a:xfrm>
-            <a:off x="5819686" y="4042159"/>
-            <a:ext cx="213645" cy="581116"/>
-          </a:xfrm>
-          <a:prstGeom prst="straightConnector1">
-            <a:avLst/>
-          </a:prstGeom>
-          <a:ln>
-            <a:tailEnd type="triangle"/>
-          </a:ln>
-        </p:spPr>
-        <p:style>
-          <a:lnRef idx="1">
-            <a:schemeClr val="accent1"/>
-          </a:lnRef>
-          <a:fillRef idx="0">
-            <a:schemeClr val="accent1"/>
-          </a:fillRef>
-          <a:effectRef idx="0">
-            <a:schemeClr val="accent1"/>
-          </a:effectRef>
-          <a:fontRef idx="minor">
-            <a:schemeClr val="tx1"/>
-          </a:fontRef>
-        </p:style>
-      </p:cxnSp>
-      <p:cxnSp>
-        <p:nvCxnSpPr>
-          <p:cNvPr id="27" name="Gerade Verbindung mit Pfeil 26">
-            <a:extLst>
-              <a:ext uri="{FF2B5EF4-FFF2-40B4-BE49-F238E27FC236}">
-                <a16:creationId xmlns:a16="http://schemas.microsoft.com/office/drawing/2014/main" id="{90878D7D-C792-4E08-92A8-2B1428B8A8E4}"/>
-              </a:ext>
-            </a:extLst>
-          </p:cNvPr>
-          <p:cNvCxnSpPr/>
-          <p:nvPr/>
-        </p:nvCxnSpPr>
-        <p:spPr>
-          <a:xfrm>
-            <a:off x="5812920" y="3433268"/>
-            <a:ext cx="299816" cy="0"/>
+            <a:off x="3219815" y="3470108"/>
+            <a:ext cx="953026" cy="1226152"/>
           </a:xfrm>
           <a:prstGeom prst="straightConnector1">
             <a:avLst/>
@@ -4163,7 +4598,7 @@
         </p:nvCxnSpPr>
         <p:spPr>
           <a:xfrm>
-            <a:off x="7930497" y="3426862"/>
+            <a:off x="5911197" y="3420457"/>
             <a:ext cx="216497" cy="0"/>
           </a:xfrm>
           <a:prstGeom prst="straightConnector1">
@@ -4202,7 +4637,7 @@
         </p:nvCxnSpPr>
         <p:spPr>
           <a:xfrm>
-            <a:off x="9730814" y="3426862"/>
+            <a:off x="7711514" y="3420457"/>
             <a:ext cx="284857" cy="0"/>
           </a:xfrm>
           <a:prstGeom prst="straightConnector1">
@@ -4231,6 +4666,72 @@
     <p:extLst>
       <p:ext uri="{BB962C8B-B14F-4D97-AF65-F5344CB8AC3E}">
         <p14:creationId xmlns:p14="http://schemas.microsoft.com/office/powerpoint/2010/main" val="2379892860"/>
+      </p:ext>
+    </p:extLst>
+  </p:cSld>
+  <p:clrMapOvr>
+    <a:masterClrMapping/>
+  </p:clrMapOvr>
+</p:sld>
+</file>
+
+<file path=ppt/slides/slide3.xml><?xml version="1.0" encoding="utf-8"?>
+<p:sld xmlns:a="http://schemas.openxmlformats.org/drawingml/2006/main" xmlns:r="http://schemas.openxmlformats.org/officeDocument/2006/relationships" xmlns:p="http://schemas.openxmlformats.org/presentationml/2006/main">
+  <p:cSld>
+    <p:spTree>
+      <p:nvGrpSpPr>
+        <p:cNvPr id="1" name=""/>
+        <p:cNvGrpSpPr/>
+        <p:nvPr/>
+      </p:nvGrpSpPr>
+      <p:grpSpPr>
+        <a:xfrm>
+          <a:off x="0" y="0"/>
+          <a:ext cx="0" cy="0"/>
+          <a:chOff x="0" y="0"/>
+          <a:chExt cx="0" cy="0"/>
+        </a:xfrm>
+      </p:grpSpPr>
+      <p:pic>
+        <p:nvPicPr>
+          <p:cNvPr id="5" name="Grafik 4">
+            <a:extLst>
+              <a:ext uri="{FF2B5EF4-FFF2-40B4-BE49-F238E27FC236}">
+                <a16:creationId xmlns:a16="http://schemas.microsoft.com/office/drawing/2014/main" id="{E47EEDDB-745E-49F9-B01E-81C80166E6E9}"/>
+              </a:ext>
+            </a:extLst>
+          </p:cNvPr>
+          <p:cNvPicPr>
+            <a:picLocks noChangeAspect="1"/>
+          </p:cNvPicPr>
+          <p:nvPr/>
+        </p:nvPicPr>
+        <p:blipFill>
+          <a:blip r:embed="rId2">
+            <a:extLst>
+              <a:ext uri="{28A0092B-C50C-407E-A947-70E740481C1C}">
+                <a14:useLocalDpi xmlns:a14="http://schemas.microsoft.com/office/drawing/2010/main" val="0"/>
+              </a:ext>
+            </a:extLst>
+          </a:blip>
+          <a:stretch>
+            <a:fillRect/>
+          </a:stretch>
+        </p:blipFill>
+        <p:spPr>
+          <a:xfrm>
+            <a:off x="1074343" y="111094"/>
+            <a:ext cx="10043314" cy="6746905"/>
+          </a:xfrm>
+          <a:prstGeom prst="rect">
+            <a:avLst/>
+          </a:prstGeom>
+        </p:spPr>
+      </p:pic>
+    </p:spTree>
+    <p:extLst>
+      <p:ext uri="{BB962C8B-B14F-4D97-AF65-F5344CB8AC3E}">
+        <p14:creationId xmlns:p14="http://schemas.microsoft.com/office/powerpoint/2010/main" val="2624928469"/>
       </p:ext>
     </p:extLst>
   </p:cSld>
